--- a/図作成用パワーポイント/othrpath.pptx
+++ b/図作成用パワーポイント/othrpath.pptx
@@ -6,6 +6,7 @@
   </p:sldMasterIdLst>
   <p:sldIdLst>
     <p:sldId id="256" r:id="rId2"/>
+    <p:sldId id="257" r:id="rId3"/>
   </p:sldIdLst>
   <p:sldSz cx="12192000" cy="6858000"/>
   <p:notesSz cx="6858000" cy="9144000"/>
@@ -254,7 +255,7 @@
           <a:p>
             <a:fld id="{6FFCD4C9-DAC0-4C94-8291-7426FC9D68B0}" type="datetimeFigureOut">
               <a:rPr kumimoji="1" lang="ja-JP" altLang="en-US" smtClean="0"/>
-              <a:t>2019/2/19</a:t>
+              <a:t>2020/2/19</a:t>
             </a:fld>
             <a:endParaRPr kumimoji="1" lang="ja-JP" altLang="en-US"/>
           </a:p>
@@ -456,7 +457,7 @@
           <a:p>
             <a:fld id="{6FFCD4C9-DAC0-4C94-8291-7426FC9D68B0}" type="datetimeFigureOut">
               <a:rPr kumimoji="1" lang="ja-JP" altLang="en-US" smtClean="0"/>
-              <a:t>2019/2/19</a:t>
+              <a:t>2020/2/19</a:t>
             </a:fld>
             <a:endParaRPr kumimoji="1" lang="ja-JP" altLang="en-US"/>
           </a:p>
@@ -668,7 +669,7 @@
           <a:p>
             <a:fld id="{6FFCD4C9-DAC0-4C94-8291-7426FC9D68B0}" type="datetimeFigureOut">
               <a:rPr kumimoji="1" lang="ja-JP" altLang="en-US" smtClean="0"/>
-              <a:t>2019/2/19</a:t>
+              <a:t>2020/2/19</a:t>
             </a:fld>
             <a:endParaRPr kumimoji="1" lang="ja-JP" altLang="en-US"/>
           </a:p>
@@ -870,7 +871,7 @@
           <a:p>
             <a:fld id="{6FFCD4C9-DAC0-4C94-8291-7426FC9D68B0}" type="datetimeFigureOut">
               <a:rPr kumimoji="1" lang="ja-JP" altLang="en-US" smtClean="0"/>
-              <a:t>2019/2/19</a:t>
+              <a:t>2020/2/19</a:t>
             </a:fld>
             <a:endParaRPr kumimoji="1" lang="ja-JP" altLang="en-US"/>
           </a:p>
@@ -1116,7 +1117,7 @@
           <a:p>
             <a:fld id="{6FFCD4C9-DAC0-4C94-8291-7426FC9D68B0}" type="datetimeFigureOut">
               <a:rPr kumimoji="1" lang="ja-JP" altLang="en-US" smtClean="0"/>
-              <a:t>2019/2/19</a:t>
+              <a:t>2020/2/19</a:t>
             </a:fld>
             <a:endParaRPr kumimoji="1" lang="ja-JP" altLang="en-US"/>
           </a:p>
@@ -1412,7 +1413,7 @@
           <a:p>
             <a:fld id="{6FFCD4C9-DAC0-4C94-8291-7426FC9D68B0}" type="datetimeFigureOut">
               <a:rPr kumimoji="1" lang="ja-JP" altLang="en-US" smtClean="0"/>
-              <a:t>2019/2/19</a:t>
+              <a:t>2020/2/19</a:t>
             </a:fld>
             <a:endParaRPr kumimoji="1" lang="ja-JP" altLang="en-US"/>
           </a:p>
@@ -1843,7 +1844,7 @@
           <a:p>
             <a:fld id="{6FFCD4C9-DAC0-4C94-8291-7426FC9D68B0}" type="datetimeFigureOut">
               <a:rPr kumimoji="1" lang="ja-JP" altLang="en-US" smtClean="0"/>
-              <a:t>2019/2/19</a:t>
+              <a:t>2020/2/19</a:t>
             </a:fld>
             <a:endParaRPr kumimoji="1" lang="ja-JP" altLang="en-US"/>
           </a:p>
@@ -1961,7 +1962,7 @@
           <a:p>
             <a:fld id="{6FFCD4C9-DAC0-4C94-8291-7426FC9D68B0}" type="datetimeFigureOut">
               <a:rPr kumimoji="1" lang="ja-JP" altLang="en-US" smtClean="0"/>
-              <a:t>2019/2/19</a:t>
+              <a:t>2020/2/19</a:t>
             </a:fld>
             <a:endParaRPr kumimoji="1" lang="ja-JP" altLang="en-US"/>
           </a:p>
@@ -2056,7 +2057,7 @@
           <a:p>
             <a:fld id="{6FFCD4C9-DAC0-4C94-8291-7426FC9D68B0}" type="datetimeFigureOut">
               <a:rPr kumimoji="1" lang="ja-JP" altLang="en-US" smtClean="0"/>
-              <a:t>2019/2/19</a:t>
+              <a:t>2020/2/19</a:t>
             </a:fld>
             <a:endParaRPr kumimoji="1" lang="ja-JP" altLang="en-US"/>
           </a:p>
@@ -2365,7 +2366,7 @@
           <a:p>
             <a:fld id="{6FFCD4C9-DAC0-4C94-8291-7426FC9D68B0}" type="datetimeFigureOut">
               <a:rPr kumimoji="1" lang="ja-JP" altLang="en-US" smtClean="0"/>
-              <a:t>2019/2/19</a:t>
+              <a:t>2020/2/19</a:t>
             </a:fld>
             <a:endParaRPr kumimoji="1" lang="ja-JP" altLang="en-US"/>
           </a:p>
@@ -2618,7 +2619,7 @@
           <a:p>
             <a:fld id="{6FFCD4C9-DAC0-4C94-8291-7426FC9D68B0}" type="datetimeFigureOut">
               <a:rPr kumimoji="1" lang="ja-JP" altLang="en-US" smtClean="0"/>
-              <a:t>2019/2/19</a:t>
+              <a:t>2020/2/19</a:t>
             </a:fld>
             <a:endParaRPr kumimoji="1" lang="ja-JP" altLang="en-US"/>
           </a:p>
@@ -2863,7 +2864,7 @@
           <a:p>
             <a:fld id="{6FFCD4C9-DAC0-4C94-8291-7426FC9D68B0}" type="datetimeFigureOut">
               <a:rPr kumimoji="1" lang="ja-JP" altLang="en-US" smtClean="0"/>
-              <a:t>2019/2/19</a:t>
+              <a:t>2020/2/19</a:t>
             </a:fld>
             <a:endParaRPr kumimoji="1" lang="ja-JP" altLang="en-US"/>
           </a:p>
@@ -3814,11 +3815,14 @@
           <a:prstGeom prst="ellipse">
             <a:avLst/>
           </a:prstGeom>
-          <a:solidFill>
-            <a:schemeClr val="bg1">
-              <a:lumMod val="75000"/>
-            </a:schemeClr>
-          </a:solidFill>
+          <a:pattFill prst="wdUpDiag">
+            <a:fgClr>
+              <a:schemeClr val="tx1"/>
+            </a:fgClr>
+            <a:bgClr>
+              <a:schemeClr val="bg1"/>
+            </a:bgClr>
+          </a:pattFill>
         </p:spPr>
         <p:style>
           <a:lnRef idx="2">
@@ -3857,11 +3861,14 @@
           <a:prstGeom prst="ellipse">
             <a:avLst/>
           </a:prstGeom>
-          <a:solidFill>
-            <a:schemeClr val="bg2">
-              <a:lumMod val="50000"/>
-            </a:schemeClr>
-          </a:solidFill>
+          <a:pattFill prst="pct50">
+            <a:fgClr>
+              <a:schemeClr val="tx1"/>
+            </a:fgClr>
+            <a:bgClr>
+              <a:schemeClr val="bg1"/>
+            </a:bgClr>
+          </a:pattFill>
         </p:spPr>
         <p:style>
           <a:lnRef idx="2">
@@ -3900,11 +3907,14 @@
           <a:prstGeom prst="ellipse">
             <a:avLst/>
           </a:prstGeom>
-          <a:solidFill>
-            <a:schemeClr val="bg2">
-              <a:lumMod val="50000"/>
-            </a:schemeClr>
-          </a:solidFill>
+          <a:pattFill prst="pct50">
+            <a:fgClr>
+              <a:schemeClr val="tx1"/>
+            </a:fgClr>
+            <a:bgClr>
+              <a:schemeClr val="bg1"/>
+            </a:bgClr>
+          </a:pattFill>
         </p:spPr>
         <p:style>
           <a:lnRef idx="2">
@@ -3943,11 +3953,14 @@
           <a:prstGeom prst="ellipse">
             <a:avLst/>
           </a:prstGeom>
-          <a:solidFill>
-            <a:schemeClr val="bg1">
-              <a:lumMod val="75000"/>
-            </a:schemeClr>
-          </a:solidFill>
+          <a:pattFill prst="wdUpDiag">
+            <a:fgClr>
+              <a:schemeClr val="tx1"/>
+            </a:fgClr>
+            <a:bgClr>
+              <a:schemeClr val="bg1"/>
+            </a:bgClr>
+          </a:pattFill>
         </p:spPr>
         <p:style>
           <a:lnRef idx="2">
@@ -4144,11 +4157,7 @@
           <a:prstGeom prst="ellipse">
             <a:avLst/>
           </a:prstGeom>
-          <a:solidFill>
-            <a:schemeClr val="bg1">
-              <a:lumMod val="75000"/>
-            </a:schemeClr>
-          </a:solidFill>
+          <a:pattFill prst="wdUpDiag"/>
         </p:spPr>
         <p:style>
           <a:lnRef idx="2">
@@ -4187,11 +4196,7 @@
           <a:prstGeom prst="ellipse">
             <a:avLst/>
           </a:prstGeom>
-          <a:solidFill>
-            <a:schemeClr val="bg2">
-              <a:lumMod val="50000"/>
-            </a:schemeClr>
-          </a:solidFill>
+          <a:pattFill prst="pct50"/>
         </p:spPr>
         <p:style>
           <a:lnRef idx="2">
@@ -4230,11 +4235,7 @@
           <a:prstGeom prst="ellipse">
             <a:avLst/>
           </a:prstGeom>
-          <a:solidFill>
-            <a:schemeClr val="bg2">
-              <a:lumMod val="50000"/>
-            </a:schemeClr>
-          </a:solidFill>
+          <a:pattFill prst="pct50"/>
         </p:spPr>
         <p:style>
           <a:lnRef idx="2">
@@ -4273,11 +4274,7 @@
           <a:prstGeom prst="ellipse">
             <a:avLst/>
           </a:prstGeom>
-          <a:solidFill>
-            <a:schemeClr val="bg1">
-              <a:lumMod val="75000"/>
-            </a:schemeClr>
-          </a:solidFill>
+          <a:pattFill prst="wdUpDiag"/>
         </p:spPr>
         <p:style>
           <a:lnRef idx="2">
@@ -4474,11 +4471,7 @@
           <a:prstGeom prst="ellipse">
             <a:avLst/>
           </a:prstGeom>
-          <a:solidFill>
-            <a:schemeClr val="bg1">
-              <a:lumMod val="75000"/>
-            </a:schemeClr>
-          </a:solidFill>
+          <a:pattFill prst="wdUpDiag"/>
         </p:spPr>
         <p:style>
           <a:lnRef idx="2">
@@ -4517,11 +4510,7 @@
           <a:prstGeom prst="ellipse">
             <a:avLst/>
           </a:prstGeom>
-          <a:solidFill>
-            <a:schemeClr val="bg2">
-              <a:lumMod val="50000"/>
-            </a:schemeClr>
-          </a:solidFill>
+          <a:pattFill prst="pct50"/>
         </p:spPr>
         <p:style>
           <a:lnRef idx="2">
@@ -4560,11 +4549,7 @@
           <a:prstGeom prst="ellipse">
             <a:avLst/>
           </a:prstGeom>
-          <a:solidFill>
-            <a:schemeClr val="bg2">
-              <a:lumMod val="50000"/>
-            </a:schemeClr>
-          </a:solidFill>
+          <a:pattFill prst="pct50"/>
         </p:spPr>
         <p:style>
           <a:lnRef idx="2">
@@ -4603,11 +4588,7 @@
           <a:prstGeom prst="ellipse">
             <a:avLst/>
           </a:prstGeom>
-          <a:solidFill>
-            <a:schemeClr val="bg1">
-              <a:lumMod val="75000"/>
-            </a:schemeClr>
-          </a:solidFill>
+          <a:pattFill prst="wdUpDiag"/>
         </p:spPr>
         <p:style>
           <a:lnRef idx="2">
@@ -4960,8 +4941,8 @@
           </a:p>
         </p:txBody>
       </p:sp>
-      <mc:AlternateContent xmlns:mc="http://schemas.openxmlformats.org/markup-compatibility/2006">
-        <mc:Choice xmlns:a14="http://schemas.microsoft.com/office/drawing/2010/main" Requires="a14">
+      <mc:AlternateContent xmlns:mc="http://schemas.openxmlformats.org/markup-compatibility/2006" xmlns:a14="http://schemas.microsoft.com/office/drawing/2010/main">
+        <mc:Choice Requires="a14">
           <p:sp>
             <p:nvSpPr>
               <p:cNvPr id="91" name="テキスト ボックス 90"/>
@@ -4984,6 +4965,7 @@
               </a:bodyPr>
               <a:lstStyle/>
               <a:p>
+                <a:pPr/>
                 <a14:m>
                   <m:oMathPara xmlns:m="http://schemas.openxmlformats.org/officeDocument/2006/math">
                     <m:oMathParaPr>
@@ -5016,7 +4998,7 @@
             </p:txBody>
           </p:sp>
         </mc:Choice>
-        <mc:Fallback>
+        <mc:Fallback xmlns="">
           <p:sp>
             <p:nvSpPr>
               <p:cNvPr id="91" name="テキスト ボックス 90"/>
@@ -5225,8 +5207,8 @@
           </a:p>
         </p:txBody>
       </p:sp>
-      <mc:AlternateContent xmlns:mc="http://schemas.openxmlformats.org/markup-compatibility/2006">
-        <mc:Choice xmlns:a14="http://schemas.microsoft.com/office/drawing/2010/main" Requires="a14">
+      <mc:AlternateContent xmlns:mc="http://schemas.openxmlformats.org/markup-compatibility/2006" xmlns:a14="http://schemas.microsoft.com/office/drawing/2010/main">
+        <mc:Choice Requires="a14">
           <p:sp>
             <p:nvSpPr>
               <p:cNvPr id="99" name="テキスト ボックス 98"/>
@@ -5249,6 +5231,7 @@
               </a:bodyPr>
               <a:lstStyle/>
               <a:p>
+                <a:pPr/>
                 <a14:m>
                   <m:oMathPara xmlns:m="http://schemas.openxmlformats.org/officeDocument/2006/math">
                     <m:oMathParaPr>
@@ -5269,7 +5252,7 @@
             </p:txBody>
           </p:sp>
         </mc:Choice>
-        <mc:Fallback>
+        <mc:Fallback xmlns="">
           <p:sp>
             <p:nvSpPr>
               <p:cNvPr id="99" name="テキスト ボックス 98"/>
@@ -5312,6 +5295,2078 @@
     <p:extLst>
       <p:ext uri="{BB962C8B-B14F-4D97-AF65-F5344CB8AC3E}">
         <p14:creationId xmlns:p14="http://schemas.microsoft.com/office/powerpoint/2010/main" val="3869472585"/>
+      </p:ext>
+    </p:extLst>
+  </p:cSld>
+  <p:clrMapOvr>
+    <a:masterClrMapping/>
+  </p:clrMapOvr>
+</p:sld>
+</file>
+
+<file path=ppt/slides/slide2.xml><?xml version="1.0" encoding="utf-8"?>
+<p:sld xmlns:a="http://schemas.openxmlformats.org/drawingml/2006/main" xmlns:r="http://schemas.openxmlformats.org/officeDocument/2006/relationships" xmlns:p="http://schemas.openxmlformats.org/presentationml/2006/main">
+  <p:cSld>
+    <p:spTree>
+      <p:nvGrpSpPr>
+        <p:cNvPr id="1" name=""/>
+        <p:cNvGrpSpPr/>
+        <p:nvPr/>
+      </p:nvGrpSpPr>
+      <p:grpSpPr>
+        <a:xfrm>
+          <a:off x="0" y="0"/>
+          <a:ext cx="0" cy="0"/>
+          <a:chOff x="0" y="0"/>
+          <a:chExt cx="0" cy="0"/>
+        </a:xfrm>
+      </p:grpSpPr>
+      <p:cxnSp>
+        <p:nvCxnSpPr>
+          <p:cNvPr id="33" name="直線コネクタ 32"/>
+          <p:cNvCxnSpPr>
+            <a:stCxn id="4" idx="4"/>
+            <a:endCxn id="7" idx="0"/>
+          </p:cNvCxnSpPr>
+          <p:nvPr/>
+        </p:nvCxnSpPr>
+        <p:spPr>
+          <a:xfrm>
+            <a:off x="1778150" y="1285899"/>
+            <a:ext cx="0" cy="3567471"/>
+          </a:xfrm>
+          <a:prstGeom prst="line">
+            <a:avLst/>
+          </a:prstGeom>
+          <a:ln w="28575"/>
+        </p:spPr>
+        <p:style>
+          <a:lnRef idx="3">
+            <a:schemeClr val="dk1"/>
+          </a:lnRef>
+          <a:fillRef idx="0">
+            <a:schemeClr val="dk1"/>
+          </a:fillRef>
+          <a:effectRef idx="2">
+            <a:schemeClr val="dk1"/>
+          </a:effectRef>
+          <a:fontRef idx="minor">
+            <a:schemeClr val="tx1"/>
+          </a:fontRef>
+        </p:style>
+      </p:cxnSp>
+      <p:cxnSp>
+        <p:nvCxnSpPr>
+          <p:cNvPr id="44" name="直線コネクタ 43"/>
+          <p:cNvCxnSpPr>
+            <a:stCxn id="28" idx="4"/>
+            <a:endCxn id="31" idx="0"/>
+          </p:cNvCxnSpPr>
+          <p:nvPr/>
+        </p:nvCxnSpPr>
+        <p:spPr>
+          <a:xfrm>
+            <a:off x="10399640" y="1285899"/>
+            <a:ext cx="0" cy="3567471"/>
+          </a:xfrm>
+          <a:prstGeom prst="line">
+            <a:avLst/>
+          </a:prstGeom>
+          <a:ln w="28575"/>
+        </p:spPr>
+        <p:style>
+          <a:lnRef idx="3">
+            <a:schemeClr val="dk1"/>
+          </a:lnRef>
+          <a:fillRef idx="0">
+            <a:schemeClr val="dk1"/>
+          </a:fillRef>
+          <a:effectRef idx="2">
+            <a:schemeClr val="dk1"/>
+          </a:effectRef>
+          <a:fontRef idx="minor">
+            <a:schemeClr val="tx1"/>
+          </a:fontRef>
+        </p:style>
+      </p:cxnSp>
+      <p:cxnSp>
+        <p:nvCxnSpPr>
+          <p:cNvPr id="43" name="直線コネクタ 42"/>
+          <p:cNvCxnSpPr>
+            <a:stCxn id="24" idx="4"/>
+            <a:endCxn id="27" idx="0"/>
+          </p:cNvCxnSpPr>
+          <p:nvPr/>
+        </p:nvCxnSpPr>
+        <p:spPr>
+          <a:xfrm>
+            <a:off x="8962725" y="1285899"/>
+            <a:ext cx="0" cy="3567471"/>
+          </a:xfrm>
+          <a:prstGeom prst="line">
+            <a:avLst/>
+          </a:prstGeom>
+          <a:ln w="28575"/>
+        </p:spPr>
+        <p:style>
+          <a:lnRef idx="3">
+            <a:schemeClr val="dk1"/>
+          </a:lnRef>
+          <a:fillRef idx="0">
+            <a:schemeClr val="dk1"/>
+          </a:fillRef>
+          <a:effectRef idx="2">
+            <a:schemeClr val="dk1"/>
+          </a:effectRef>
+          <a:fontRef idx="minor">
+            <a:schemeClr val="tx1"/>
+          </a:fontRef>
+        </p:style>
+      </p:cxnSp>
+      <p:cxnSp>
+        <p:nvCxnSpPr>
+          <p:cNvPr id="42" name="直線コネクタ 41"/>
+          <p:cNvCxnSpPr>
+            <a:stCxn id="20" idx="4"/>
+            <a:endCxn id="23" idx="0"/>
+          </p:cNvCxnSpPr>
+          <p:nvPr/>
+        </p:nvCxnSpPr>
+        <p:spPr>
+          <a:xfrm>
+            <a:off x="7525810" y="1285899"/>
+            <a:ext cx="0" cy="3567471"/>
+          </a:xfrm>
+          <a:prstGeom prst="line">
+            <a:avLst/>
+          </a:prstGeom>
+          <a:ln w="28575"/>
+        </p:spPr>
+        <p:style>
+          <a:lnRef idx="3">
+            <a:schemeClr val="dk1"/>
+          </a:lnRef>
+          <a:fillRef idx="0">
+            <a:schemeClr val="dk1"/>
+          </a:fillRef>
+          <a:effectRef idx="2">
+            <a:schemeClr val="dk1"/>
+          </a:effectRef>
+          <a:fontRef idx="minor">
+            <a:schemeClr val="tx1"/>
+          </a:fontRef>
+        </p:style>
+      </p:cxnSp>
+      <p:cxnSp>
+        <p:nvCxnSpPr>
+          <p:cNvPr id="41" name="直線コネクタ 40"/>
+          <p:cNvCxnSpPr>
+            <a:stCxn id="16" idx="4"/>
+            <a:endCxn id="19" idx="0"/>
+          </p:cNvCxnSpPr>
+          <p:nvPr/>
+        </p:nvCxnSpPr>
+        <p:spPr>
+          <a:xfrm>
+            <a:off x="6088895" y="1285899"/>
+            <a:ext cx="0" cy="3567471"/>
+          </a:xfrm>
+          <a:prstGeom prst="line">
+            <a:avLst/>
+          </a:prstGeom>
+          <a:ln w="28575"/>
+        </p:spPr>
+        <p:style>
+          <a:lnRef idx="3">
+            <a:schemeClr val="dk1"/>
+          </a:lnRef>
+          <a:fillRef idx="0">
+            <a:schemeClr val="dk1"/>
+          </a:fillRef>
+          <a:effectRef idx="2">
+            <a:schemeClr val="dk1"/>
+          </a:effectRef>
+          <a:fontRef idx="minor">
+            <a:schemeClr val="tx1"/>
+          </a:fontRef>
+        </p:style>
+      </p:cxnSp>
+      <p:cxnSp>
+        <p:nvCxnSpPr>
+          <p:cNvPr id="40" name="直線コネクタ 39"/>
+          <p:cNvCxnSpPr>
+            <a:stCxn id="12" idx="4"/>
+            <a:endCxn id="15" idx="0"/>
+          </p:cNvCxnSpPr>
+          <p:nvPr/>
+        </p:nvCxnSpPr>
+        <p:spPr>
+          <a:xfrm>
+            <a:off x="4651980" y="1285899"/>
+            <a:ext cx="0" cy="3567471"/>
+          </a:xfrm>
+          <a:prstGeom prst="line">
+            <a:avLst/>
+          </a:prstGeom>
+          <a:ln w="28575"/>
+        </p:spPr>
+        <p:style>
+          <a:lnRef idx="3">
+            <a:schemeClr val="dk1"/>
+          </a:lnRef>
+          <a:fillRef idx="0">
+            <a:schemeClr val="dk1"/>
+          </a:fillRef>
+          <a:effectRef idx="2">
+            <a:schemeClr val="dk1"/>
+          </a:effectRef>
+          <a:fontRef idx="minor">
+            <a:schemeClr val="tx1"/>
+          </a:fontRef>
+        </p:style>
+      </p:cxnSp>
+      <p:cxnSp>
+        <p:nvCxnSpPr>
+          <p:cNvPr id="39" name="直線コネクタ 38"/>
+          <p:cNvCxnSpPr>
+            <a:stCxn id="8" idx="4"/>
+            <a:endCxn id="11" idx="0"/>
+          </p:cNvCxnSpPr>
+          <p:nvPr/>
+        </p:nvCxnSpPr>
+        <p:spPr>
+          <a:xfrm>
+            <a:off x="3215065" y="1285899"/>
+            <a:ext cx="0" cy="3567471"/>
+          </a:xfrm>
+          <a:prstGeom prst="line">
+            <a:avLst/>
+          </a:prstGeom>
+          <a:ln w="28575"/>
+        </p:spPr>
+        <p:style>
+          <a:lnRef idx="3">
+            <a:schemeClr val="dk1"/>
+          </a:lnRef>
+          <a:fillRef idx="0">
+            <a:schemeClr val="dk1"/>
+          </a:fillRef>
+          <a:effectRef idx="2">
+            <a:schemeClr val="dk1"/>
+          </a:effectRef>
+          <a:fontRef idx="minor">
+            <a:schemeClr val="tx1"/>
+          </a:fontRef>
+        </p:style>
+      </p:cxnSp>
+      <p:cxnSp>
+        <p:nvCxnSpPr>
+          <p:cNvPr id="71" name="直線コネクタ 70"/>
+          <p:cNvCxnSpPr>
+            <a:stCxn id="7" idx="6"/>
+            <a:endCxn id="31" idx="2"/>
+          </p:cNvCxnSpPr>
+          <p:nvPr/>
+        </p:nvCxnSpPr>
+        <p:spPr>
+          <a:xfrm>
+            <a:off x="2138150" y="5213370"/>
+            <a:ext cx="7901490" cy="0"/>
+          </a:xfrm>
+          <a:prstGeom prst="line">
+            <a:avLst/>
+          </a:prstGeom>
+          <a:ln w="28575"/>
+        </p:spPr>
+        <p:style>
+          <a:lnRef idx="3">
+            <a:schemeClr val="dk1"/>
+          </a:lnRef>
+          <a:fillRef idx="0">
+            <a:schemeClr val="dk1"/>
+          </a:fillRef>
+          <a:effectRef idx="2">
+            <a:schemeClr val="dk1"/>
+          </a:effectRef>
+          <a:fontRef idx="minor">
+            <a:schemeClr val="tx1"/>
+          </a:fontRef>
+        </p:style>
+      </p:cxnSp>
+      <p:cxnSp>
+        <p:nvCxnSpPr>
+          <p:cNvPr id="68" name="直線コネクタ 67"/>
+          <p:cNvCxnSpPr>
+            <a:stCxn id="6" idx="6"/>
+            <a:endCxn id="30" idx="2"/>
+          </p:cNvCxnSpPr>
+          <p:nvPr/>
+        </p:nvCxnSpPr>
+        <p:spPr>
+          <a:xfrm>
+            <a:off x="2138150" y="3784213"/>
+            <a:ext cx="7901490" cy="0"/>
+          </a:xfrm>
+          <a:prstGeom prst="line">
+            <a:avLst/>
+          </a:prstGeom>
+          <a:ln w="28575"/>
+        </p:spPr>
+        <p:style>
+          <a:lnRef idx="3">
+            <a:schemeClr val="dk1"/>
+          </a:lnRef>
+          <a:fillRef idx="0">
+            <a:schemeClr val="dk1"/>
+          </a:fillRef>
+          <a:effectRef idx="2">
+            <a:schemeClr val="dk1"/>
+          </a:effectRef>
+          <a:fontRef idx="minor">
+            <a:schemeClr val="tx1"/>
+          </a:fontRef>
+        </p:style>
+      </p:cxnSp>
+      <p:cxnSp>
+        <p:nvCxnSpPr>
+          <p:cNvPr id="65" name="直線コネクタ 64"/>
+          <p:cNvCxnSpPr>
+            <a:stCxn id="5" idx="6"/>
+            <a:endCxn id="29" idx="2"/>
+          </p:cNvCxnSpPr>
+          <p:nvPr/>
+        </p:nvCxnSpPr>
+        <p:spPr>
+          <a:xfrm>
+            <a:off x="2138150" y="2355056"/>
+            <a:ext cx="7901490" cy="0"/>
+          </a:xfrm>
+          <a:prstGeom prst="line">
+            <a:avLst/>
+          </a:prstGeom>
+          <a:ln w="28575"/>
+        </p:spPr>
+        <p:style>
+          <a:lnRef idx="3">
+            <a:schemeClr val="dk1"/>
+          </a:lnRef>
+          <a:fillRef idx="0">
+            <a:schemeClr val="dk1"/>
+          </a:fillRef>
+          <a:effectRef idx="2">
+            <a:schemeClr val="dk1"/>
+          </a:effectRef>
+          <a:fontRef idx="minor">
+            <a:schemeClr val="tx1"/>
+          </a:fontRef>
+        </p:style>
+      </p:cxnSp>
+      <p:cxnSp>
+        <p:nvCxnSpPr>
+          <p:cNvPr id="38" name="直線コネクタ 37"/>
+          <p:cNvCxnSpPr>
+            <a:stCxn id="4" idx="6"/>
+            <a:endCxn id="28" idx="2"/>
+          </p:cNvCxnSpPr>
+          <p:nvPr/>
+        </p:nvCxnSpPr>
+        <p:spPr>
+          <a:xfrm>
+            <a:off x="2138150" y="925899"/>
+            <a:ext cx="7901490" cy="0"/>
+          </a:xfrm>
+          <a:prstGeom prst="line">
+            <a:avLst/>
+          </a:prstGeom>
+          <a:ln w="28575"/>
+        </p:spPr>
+        <p:style>
+          <a:lnRef idx="3">
+            <a:schemeClr val="dk1"/>
+          </a:lnRef>
+          <a:fillRef idx="0">
+            <a:schemeClr val="dk1"/>
+          </a:fillRef>
+          <a:effectRef idx="2">
+            <a:schemeClr val="dk1"/>
+          </a:effectRef>
+          <a:fontRef idx="minor">
+            <a:schemeClr val="tx1"/>
+          </a:fontRef>
+        </p:style>
+      </p:cxnSp>
+      <p:sp>
+        <p:nvSpPr>
+          <p:cNvPr id="4" name="円/楕円 3"/>
+          <p:cNvSpPr/>
+          <p:nvPr/>
+        </p:nvSpPr>
+        <p:spPr>
+          <a:xfrm>
+            <a:off x="1418150" y="565899"/>
+            <a:ext cx="720000" cy="720000"/>
+          </a:xfrm>
+          <a:prstGeom prst="ellipse">
+            <a:avLst/>
+          </a:prstGeom>
+        </p:spPr>
+        <p:style>
+          <a:lnRef idx="2">
+            <a:schemeClr val="dk1"/>
+          </a:lnRef>
+          <a:fillRef idx="1">
+            <a:schemeClr val="lt1"/>
+          </a:fillRef>
+          <a:effectRef idx="0">
+            <a:schemeClr val="dk1"/>
+          </a:effectRef>
+          <a:fontRef idx="minor">
+            <a:schemeClr val="dk1"/>
+          </a:fontRef>
+        </p:style>
+        <p:txBody>
+          <a:bodyPr rtlCol="0" anchor="ctr"/>
+          <a:lstStyle/>
+          <a:p>
+            <a:pPr algn="ctr"/>
+            <a:endParaRPr kumimoji="1" lang="ja-JP" altLang="en-US"/>
+          </a:p>
+        </p:txBody>
+      </p:sp>
+      <p:sp>
+        <p:nvSpPr>
+          <p:cNvPr id="5" name="円/楕円 4"/>
+          <p:cNvSpPr/>
+          <p:nvPr/>
+        </p:nvSpPr>
+        <p:spPr>
+          <a:xfrm>
+            <a:off x="1418150" y="1995056"/>
+            <a:ext cx="720000" cy="720000"/>
+          </a:xfrm>
+          <a:prstGeom prst="ellipse">
+            <a:avLst/>
+          </a:prstGeom>
+        </p:spPr>
+        <p:style>
+          <a:lnRef idx="2">
+            <a:schemeClr val="dk1"/>
+          </a:lnRef>
+          <a:fillRef idx="1">
+            <a:schemeClr val="lt1"/>
+          </a:fillRef>
+          <a:effectRef idx="0">
+            <a:schemeClr val="dk1"/>
+          </a:effectRef>
+          <a:fontRef idx="minor">
+            <a:schemeClr val="dk1"/>
+          </a:fontRef>
+        </p:style>
+        <p:txBody>
+          <a:bodyPr rtlCol="0" anchor="ctr"/>
+          <a:lstStyle/>
+          <a:p>
+            <a:pPr algn="ctr"/>
+            <a:endParaRPr kumimoji="1" lang="ja-JP" altLang="en-US"/>
+          </a:p>
+        </p:txBody>
+      </p:sp>
+      <p:sp>
+        <p:nvSpPr>
+          <p:cNvPr id="6" name="円/楕円 5"/>
+          <p:cNvSpPr/>
+          <p:nvPr/>
+        </p:nvSpPr>
+        <p:spPr>
+          <a:xfrm>
+            <a:off x="1418150" y="3424213"/>
+            <a:ext cx="720000" cy="720000"/>
+          </a:xfrm>
+          <a:prstGeom prst="ellipse">
+            <a:avLst/>
+          </a:prstGeom>
+          <a:solidFill>
+            <a:schemeClr val="tx1"/>
+          </a:solidFill>
+        </p:spPr>
+        <p:style>
+          <a:lnRef idx="2">
+            <a:schemeClr val="dk1"/>
+          </a:lnRef>
+          <a:fillRef idx="1">
+            <a:schemeClr val="lt1"/>
+          </a:fillRef>
+          <a:effectRef idx="0">
+            <a:schemeClr val="dk1"/>
+          </a:effectRef>
+          <a:fontRef idx="minor">
+            <a:schemeClr val="dk1"/>
+          </a:fontRef>
+        </p:style>
+        <p:txBody>
+          <a:bodyPr rtlCol="0" anchor="ctr"/>
+          <a:lstStyle/>
+          <a:p>
+            <a:pPr algn="ctr"/>
+            <a:endParaRPr kumimoji="1" lang="ja-JP" altLang="en-US"/>
+          </a:p>
+        </p:txBody>
+      </p:sp>
+      <p:sp>
+        <p:nvSpPr>
+          <p:cNvPr id="7" name="円/楕円 6"/>
+          <p:cNvSpPr/>
+          <p:nvPr/>
+        </p:nvSpPr>
+        <p:spPr>
+          <a:xfrm>
+            <a:off x="1418150" y="4853370"/>
+            <a:ext cx="720000" cy="720000"/>
+          </a:xfrm>
+          <a:prstGeom prst="ellipse">
+            <a:avLst/>
+          </a:prstGeom>
+          <a:solidFill>
+            <a:schemeClr val="tx1"/>
+          </a:solidFill>
+        </p:spPr>
+        <p:style>
+          <a:lnRef idx="2">
+            <a:schemeClr val="dk1"/>
+          </a:lnRef>
+          <a:fillRef idx="1">
+            <a:schemeClr val="lt1"/>
+          </a:fillRef>
+          <a:effectRef idx="0">
+            <a:schemeClr val="dk1"/>
+          </a:effectRef>
+          <a:fontRef idx="minor">
+            <a:schemeClr val="dk1"/>
+          </a:fontRef>
+        </p:style>
+        <p:txBody>
+          <a:bodyPr rtlCol="0" anchor="ctr"/>
+          <a:lstStyle/>
+          <a:p>
+            <a:pPr algn="ctr"/>
+            <a:endParaRPr kumimoji="1" lang="ja-JP" altLang="en-US"/>
+          </a:p>
+        </p:txBody>
+      </p:sp>
+      <p:sp>
+        <p:nvSpPr>
+          <p:cNvPr id="8" name="円/楕円 7"/>
+          <p:cNvSpPr/>
+          <p:nvPr/>
+        </p:nvSpPr>
+        <p:spPr>
+          <a:xfrm>
+            <a:off x="2855065" y="565899"/>
+            <a:ext cx="720000" cy="720000"/>
+          </a:xfrm>
+          <a:prstGeom prst="ellipse">
+            <a:avLst/>
+          </a:prstGeom>
+          <a:solidFill>
+            <a:schemeClr val="bg1">
+              <a:lumMod val="75000"/>
+            </a:schemeClr>
+          </a:solidFill>
+        </p:spPr>
+        <p:style>
+          <a:lnRef idx="2">
+            <a:schemeClr val="dk1"/>
+          </a:lnRef>
+          <a:fillRef idx="1">
+            <a:schemeClr val="lt1"/>
+          </a:fillRef>
+          <a:effectRef idx="0">
+            <a:schemeClr val="dk1"/>
+          </a:effectRef>
+          <a:fontRef idx="minor">
+            <a:schemeClr val="dk1"/>
+          </a:fontRef>
+        </p:style>
+        <p:txBody>
+          <a:bodyPr rtlCol="0" anchor="ctr"/>
+          <a:lstStyle/>
+          <a:p>
+            <a:pPr algn="ctr"/>
+            <a:endParaRPr kumimoji="1" lang="ja-JP" altLang="en-US"/>
+          </a:p>
+        </p:txBody>
+      </p:sp>
+      <p:sp>
+        <p:nvSpPr>
+          <p:cNvPr id="9" name="円/楕円 8"/>
+          <p:cNvSpPr/>
+          <p:nvPr/>
+        </p:nvSpPr>
+        <p:spPr>
+          <a:xfrm>
+            <a:off x="2855065" y="1995056"/>
+            <a:ext cx="720000" cy="720000"/>
+          </a:xfrm>
+          <a:prstGeom prst="ellipse">
+            <a:avLst/>
+          </a:prstGeom>
+          <a:solidFill>
+            <a:schemeClr val="bg2">
+              <a:lumMod val="50000"/>
+            </a:schemeClr>
+          </a:solidFill>
+        </p:spPr>
+        <p:style>
+          <a:lnRef idx="2">
+            <a:schemeClr val="dk1"/>
+          </a:lnRef>
+          <a:fillRef idx="1">
+            <a:schemeClr val="lt1"/>
+          </a:fillRef>
+          <a:effectRef idx="0">
+            <a:schemeClr val="dk1"/>
+          </a:effectRef>
+          <a:fontRef idx="minor">
+            <a:schemeClr val="dk1"/>
+          </a:fontRef>
+        </p:style>
+        <p:txBody>
+          <a:bodyPr rtlCol="0" anchor="ctr"/>
+          <a:lstStyle/>
+          <a:p>
+            <a:pPr algn="ctr"/>
+            <a:endParaRPr kumimoji="1" lang="ja-JP" altLang="en-US"/>
+          </a:p>
+        </p:txBody>
+      </p:sp>
+      <p:sp>
+        <p:nvSpPr>
+          <p:cNvPr id="10" name="円/楕円 9"/>
+          <p:cNvSpPr/>
+          <p:nvPr/>
+        </p:nvSpPr>
+        <p:spPr>
+          <a:xfrm>
+            <a:off x="2855065" y="3424213"/>
+            <a:ext cx="720000" cy="720000"/>
+          </a:xfrm>
+          <a:prstGeom prst="ellipse">
+            <a:avLst/>
+          </a:prstGeom>
+          <a:solidFill>
+            <a:schemeClr val="bg2">
+              <a:lumMod val="50000"/>
+            </a:schemeClr>
+          </a:solidFill>
+        </p:spPr>
+        <p:style>
+          <a:lnRef idx="2">
+            <a:schemeClr val="dk1"/>
+          </a:lnRef>
+          <a:fillRef idx="1">
+            <a:schemeClr val="lt1"/>
+          </a:fillRef>
+          <a:effectRef idx="0">
+            <a:schemeClr val="dk1"/>
+          </a:effectRef>
+          <a:fontRef idx="minor">
+            <a:schemeClr val="dk1"/>
+          </a:fontRef>
+        </p:style>
+        <p:txBody>
+          <a:bodyPr rtlCol="0" anchor="ctr"/>
+          <a:lstStyle/>
+          <a:p>
+            <a:pPr algn="ctr"/>
+            <a:endParaRPr kumimoji="1" lang="ja-JP" altLang="en-US"/>
+          </a:p>
+        </p:txBody>
+      </p:sp>
+      <p:sp>
+        <p:nvSpPr>
+          <p:cNvPr id="11" name="円/楕円 10"/>
+          <p:cNvSpPr/>
+          <p:nvPr/>
+        </p:nvSpPr>
+        <p:spPr>
+          <a:xfrm>
+            <a:off x="2855065" y="4853370"/>
+            <a:ext cx="720000" cy="720000"/>
+          </a:xfrm>
+          <a:prstGeom prst="ellipse">
+            <a:avLst/>
+          </a:prstGeom>
+          <a:solidFill>
+            <a:schemeClr val="bg1">
+              <a:lumMod val="75000"/>
+            </a:schemeClr>
+          </a:solidFill>
+        </p:spPr>
+        <p:style>
+          <a:lnRef idx="2">
+            <a:schemeClr val="dk1"/>
+          </a:lnRef>
+          <a:fillRef idx="1">
+            <a:schemeClr val="lt1"/>
+          </a:fillRef>
+          <a:effectRef idx="0">
+            <a:schemeClr val="dk1"/>
+          </a:effectRef>
+          <a:fontRef idx="minor">
+            <a:schemeClr val="dk1"/>
+          </a:fontRef>
+        </p:style>
+        <p:txBody>
+          <a:bodyPr rtlCol="0" anchor="ctr"/>
+          <a:lstStyle/>
+          <a:p>
+            <a:pPr algn="ctr"/>
+            <a:endParaRPr kumimoji="1" lang="ja-JP" altLang="en-US"/>
+          </a:p>
+        </p:txBody>
+      </p:sp>
+      <p:sp>
+        <p:nvSpPr>
+          <p:cNvPr id="12" name="円/楕円 11"/>
+          <p:cNvSpPr/>
+          <p:nvPr/>
+        </p:nvSpPr>
+        <p:spPr>
+          <a:xfrm>
+            <a:off x="4291980" y="565899"/>
+            <a:ext cx="720000" cy="720000"/>
+          </a:xfrm>
+          <a:prstGeom prst="ellipse">
+            <a:avLst/>
+          </a:prstGeom>
+          <a:solidFill>
+            <a:schemeClr val="tx1"/>
+          </a:solidFill>
+        </p:spPr>
+        <p:style>
+          <a:lnRef idx="2">
+            <a:schemeClr val="dk1"/>
+          </a:lnRef>
+          <a:fillRef idx="1">
+            <a:schemeClr val="lt1"/>
+          </a:fillRef>
+          <a:effectRef idx="0">
+            <a:schemeClr val="dk1"/>
+          </a:effectRef>
+          <a:fontRef idx="minor">
+            <a:schemeClr val="dk1"/>
+          </a:fontRef>
+        </p:style>
+        <p:txBody>
+          <a:bodyPr rtlCol="0" anchor="ctr"/>
+          <a:lstStyle/>
+          <a:p>
+            <a:pPr algn="ctr"/>
+            <a:endParaRPr kumimoji="1" lang="ja-JP" altLang="en-US"/>
+          </a:p>
+        </p:txBody>
+      </p:sp>
+      <p:sp>
+        <p:nvSpPr>
+          <p:cNvPr id="13" name="円/楕円 12"/>
+          <p:cNvSpPr/>
+          <p:nvPr/>
+        </p:nvSpPr>
+        <p:spPr>
+          <a:xfrm>
+            <a:off x="4291980" y="1995056"/>
+            <a:ext cx="720000" cy="720000"/>
+          </a:xfrm>
+          <a:prstGeom prst="ellipse">
+            <a:avLst/>
+          </a:prstGeom>
+          <a:solidFill>
+            <a:schemeClr val="tx1"/>
+          </a:solidFill>
+        </p:spPr>
+        <p:style>
+          <a:lnRef idx="2">
+            <a:schemeClr val="dk1"/>
+          </a:lnRef>
+          <a:fillRef idx="1">
+            <a:schemeClr val="lt1"/>
+          </a:fillRef>
+          <a:effectRef idx="0">
+            <a:schemeClr val="dk1"/>
+          </a:effectRef>
+          <a:fontRef idx="minor">
+            <a:schemeClr val="dk1"/>
+          </a:fontRef>
+        </p:style>
+        <p:txBody>
+          <a:bodyPr rtlCol="0" anchor="ctr"/>
+          <a:lstStyle/>
+          <a:p>
+            <a:pPr algn="ctr"/>
+            <a:endParaRPr kumimoji="1" lang="ja-JP" altLang="en-US"/>
+          </a:p>
+        </p:txBody>
+      </p:sp>
+      <p:sp>
+        <p:nvSpPr>
+          <p:cNvPr id="14" name="円/楕円 13"/>
+          <p:cNvSpPr/>
+          <p:nvPr/>
+        </p:nvSpPr>
+        <p:spPr>
+          <a:xfrm>
+            <a:off x="4291980" y="3424213"/>
+            <a:ext cx="720000" cy="720000"/>
+          </a:xfrm>
+          <a:prstGeom prst="ellipse">
+            <a:avLst/>
+          </a:prstGeom>
+        </p:spPr>
+        <p:style>
+          <a:lnRef idx="2">
+            <a:schemeClr val="dk1"/>
+          </a:lnRef>
+          <a:fillRef idx="1">
+            <a:schemeClr val="lt1"/>
+          </a:fillRef>
+          <a:effectRef idx="0">
+            <a:schemeClr val="dk1"/>
+          </a:effectRef>
+          <a:fontRef idx="minor">
+            <a:schemeClr val="dk1"/>
+          </a:fontRef>
+        </p:style>
+        <p:txBody>
+          <a:bodyPr rtlCol="0" anchor="ctr"/>
+          <a:lstStyle/>
+          <a:p>
+            <a:pPr algn="ctr"/>
+            <a:endParaRPr kumimoji="1" lang="ja-JP" altLang="en-US"/>
+          </a:p>
+        </p:txBody>
+      </p:sp>
+      <p:sp>
+        <p:nvSpPr>
+          <p:cNvPr id="15" name="円/楕円 14"/>
+          <p:cNvSpPr/>
+          <p:nvPr/>
+        </p:nvSpPr>
+        <p:spPr>
+          <a:xfrm>
+            <a:off x="4291980" y="4853370"/>
+            <a:ext cx="720000" cy="720000"/>
+          </a:xfrm>
+          <a:prstGeom prst="ellipse">
+            <a:avLst/>
+          </a:prstGeom>
+        </p:spPr>
+        <p:style>
+          <a:lnRef idx="2">
+            <a:schemeClr val="dk1"/>
+          </a:lnRef>
+          <a:fillRef idx="1">
+            <a:schemeClr val="lt1"/>
+          </a:fillRef>
+          <a:effectRef idx="0">
+            <a:schemeClr val="dk1"/>
+          </a:effectRef>
+          <a:fontRef idx="minor">
+            <a:schemeClr val="dk1"/>
+          </a:fontRef>
+        </p:style>
+        <p:txBody>
+          <a:bodyPr rtlCol="0" anchor="ctr"/>
+          <a:lstStyle/>
+          <a:p>
+            <a:pPr algn="ctr"/>
+            <a:endParaRPr kumimoji="1" lang="ja-JP" altLang="en-US"/>
+          </a:p>
+        </p:txBody>
+      </p:sp>
+      <p:sp>
+        <p:nvSpPr>
+          <p:cNvPr id="16" name="円/楕円 15"/>
+          <p:cNvSpPr/>
+          <p:nvPr/>
+        </p:nvSpPr>
+        <p:spPr>
+          <a:xfrm>
+            <a:off x="5728895" y="565899"/>
+            <a:ext cx="720000" cy="720000"/>
+          </a:xfrm>
+          <a:prstGeom prst="ellipse">
+            <a:avLst/>
+          </a:prstGeom>
+          <a:solidFill>
+            <a:schemeClr val="bg1">
+              <a:lumMod val="75000"/>
+            </a:schemeClr>
+          </a:solidFill>
+        </p:spPr>
+        <p:style>
+          <a:lnRef idx="2">
+            <a:schemeClr val="dk1"/>
+          </a:lnRef>
+          <a:fillRef idx="1">
+            <a:schemeClr val="lt1"/>
+          </a:fillRef>
+          <a:effectRef idx="0">
+            <a:schemeClr val="dk1"/>
+          </a:effectRef>
+          <a:fontRef idx="minor">
+            <a:schemeClr val="dk1"/>
+          </a:fontRef>
+        </p:style>
+        <p:txBody>
+          <a:bodyPr rtlCol="0" anchor="ctr"/>
+          <a:lstStyle/>
+          <a:p>
+            <a:pPr algn="ctr"/>
+            <a:endParaRPr kumimoji="1" lang="ja-JP" altLang="en-US"/>
+          </a:p>
+        </p:txBody>
+      </p:sp>
+      <p:sp>
+        <p:nvSpPr>
+          <p:cNvPr id="17" name="円/楕円 16"/>
+          <p:cNvSpPr/>
+          <p:nvPr/>
+        </p:nvSpPr>
+        <p:spPr>
+          <a:xfrm>
+            <a:off x="5728895" y="1995056"/>
+            <a:ext cx="720000" cy="720000"/>
+          </a:xfrm>
+          <a:prstGeom prst="ellipse">
+            <a:avLst/>
+          </a:prstGeom>
+          <a:solidFill>
+            <a:schemeClr val="bg2">
+              <a:lumMod val="50000"/>
+            </a:schemeClr>
+          </a:solidFill>
+        </p:spPr>
+        <p:style>
+          <a:lnRef idx="2">
+            <a:schemeClr val="dk1"/>
+          </a:lnRef>
+          <a:fillRef idx="1">
+            <a:schemeClr val="lt1"/>
+          </a:fillRef>
+          <a:effectRef idx="0">
+            <a:schemeClr val="dk1"/>
+          </a:effectRef>
+          <a:fontRef idx="minor">
+            <a:schemeClr val="dk1"/>
+          </a:fontRef>
+        </p:style>
+        <p:txBody>
+          <a:bodyPr rtlCol="0" anchor="ctr"/>
+          <a:lstStyle/>
+          <a:p>
+            <a:pPr algn="ctr"/>
+            <a:endParaRPr kumimoji="1" lang="ja-JP" altLang="en-US"/>
+          </a:p>
+        </p:txBody>
+      </p:sp>
+      <p:sp>
+        <p:nvSpPr>
+          <p:cNvPr id="18" name="円/楕円 17"/>
+          <p:cNvSpPr/>
+          <p:nvPr/>
+        </p:nvSpPr>
+        <p:spPr>
+          <a:xfrm>
+            <a:off x="5728895" y="3424213"/>
+            <a:ext cx="720000" cy="720000"/>
+          </a:xfrm>
+          <a:prstGeom prst="ellipse">
+            <a:avLst/>
+          </a:prstGeom>
+          <a:solidFill>
+            <a:schemeClr val="bg2">
+              <a:lumMod val="50000"/>
+            </a:schemeClr>
+          </a:solidFill>
+        </p:spPr>
+        <p:style>
+          <a:lnRef idx="2">
+            <a:schemeClr val="dk1"/>
+          </a:lnRef>
+          <a:fillRef idx="1">
+            <a:schemeClr val="lt1"/>
+          </a:fillRef>
+          <a:effectRef idx="0">
+            <a:schemeClr val="dk1"/>
+          </a:effectRef>
+          <a:fontRef idx="minor">
+            <a:schemeClr val="dk1"/>
+          </a:fontRef>
+        </p:style>
+        <p:txBody>
+          <a:bodyPr rtlCol="0" anchor="ctr"/>
+          <a:lstStyle/>
+          <a:p>
+            <a:pPr algn="ctr"/>
+            <a:endParaRPr kumimoji="1" lang="ja-JP" altLang="en-US"/>
+          </a:p>
+        </p:txBody>
+      </p:sp>
+      <p:sp>
+        <p:nvSpPr>
+          <p:cNvPr id="19" name="円/楕円 18"/>
+          <p:cNvSpPr/>
+          <p:nvPr/>
+        </p:nvSpPr>
+        <p:spPr>
+          <a:xfrm>
+            <a:off x="5728895" y="4853370"/>
+            <a:ext cx="720000" cy="720000"/>
+          </a:xfrm>
+          <a:prstGeom prst="ellipse">
+            <a:avLst/>
+          </a:prstGeom>
+          <a:solidFill>
+            <a:schemeClr val="bg1">
+              <a:lumMod val="75000"/>
+            </a:schemeClr>
+          </a:solidFill>
+        </p:spPr>
+        <p:style>
+          <a:lnRef idx="2">
+            <a:schemeClr val="dk1"/>
+          </a:lnRef>
+          <a:fillRef idx="1">
+            <a:schemeClr val="lt1"/>
+          </a:fillRef>
+          <a:effectRef idx="0">
+            <a:schemeClr val="dk1"/>
+          </a:effectRef>
+          <a:fontRef idx="minor">
+            <a:schemeClr val="dk1"/>
+          </a:fontRef>
+        </p:style>
+        <p:txBody>
+          <a:bodyPr rtlCol="0" anchor="ctr"/>
+          <a:lstStyle/>
+          <a:p>
+            <a:pPr algn="ctr"/>
+            <a:endParaRPr kumimoji="1" lang="ja-JP" altLang="en-US"/>
+          </a:p>
+        </p:txBody>
+      </p:sp>
+      <p:sp>
+        <p:nvSpPr>
+          <p:cNvPr id="20" name="円/楕円 19"/>
+          <p:cNvSpPr/>
+          <p:nvPr/>
+        </p:nvSpPr>
+        <p:spPr>
+          <a:xfrm>
+            <a:off x="7165810" y="565899"/>
+            <a:ext cx="720000" cy="720000"/>
+          </a:xfrm>
+          <a:prstGeom prst="ellipse">
+            <a:avLst/>
+          </a:prstGeom>
+        </p:spPr>
+        <p:style>
+          <a:lnRef idx="2">
+            <a:schemeClr val="dk1"/>
+          </a:lnRef>
+          <a:fillRef idx="1">
+            <a:schemeClr val="lt1"/>
+          </a:fillRef>
+          <a:effectRef idx="0">
+            <a:schemeClr val="dk1"/>
+          </a:effectRef>
+          <a:fontRef idx="minor">
+            <a:schemeClr val="dk1"/>
+          </a:fontRef>
+        </p:style>
+        <p:txBody>
+          <a:bodyPr rtlCol="0" anchor="ctr"/>
+          <a:lstStyle/>
+          <a:p>
+            <a:pPr algn="ctr"/>
+            <a:endParaRPr kumimoji="1" lang="ja-JP" altLang="en-US"/>
+          </a:p>
+        </p:txBody>
+      </p:sp>
+      <p:sp>
+        <p:nvSpPr>
+          <p:cNvPr id="21" name="円/楕円 20"/>
+          <p:cNvSpPr/>
+          <p:nvPr/>
+        </p:nvSpPr>
+        <p:spPr>
+          <a:xfrm>
+            <a:off x="7165810" y="1995056"/>
+            <a:ext cx="720000" cy="720000"/>
+          </a:xfrm>
+          <a:prstGeom prst="ellipse">
+            <a:avLst/>
+          </a:prstGeom>
+        </p:spPr>
+        <p:style>
+          <a:lnRef idx="2">
+            <a:schemeClr val="dk1"/>
+          </a:lnRef>
+          <a:fillRef idx="1">
+            <a:schemeClr val="lt1"/>
+          </a:fillRef>
+          <a:effectRef idx="0">
+            <a:schemeClr val="dk1"/>
+          </a:effectRef>
+          <a:fontRef idx="minor">
+            <a:schemeClr val="dk1"/>
+          </a:fontRef>
+        </p:style>
+        <p:txBody>
+          <a:bodyPr rtlCol="0" anchor="ctr"/>
+          <a:lstStyle/>
+          <a:p>
+            <a:pPr algn="ctr"/>
+            <a:endParaRPr kumimoji="1" lang="ja-JP" altLang="en-US"/>
+          </a:p>
+        </p:txBody>
+      </p:sp>
+      <p:sp>
+        <p:nvSpPr>
+          <p:cNvPr id="22" name="円/楕円 21"/>
+          <p:cNvSpPr/>
+          <p:nvPr/>
+        </p:nvSpPr>
+        <p:spPr>
+          <a:xfrm>
+            <a:off x="7165810" y="3424213"/>
+            <a:ext cx="720000" cy="720000"/>
+          </a:xfrm>
+          <a:prstGeom prst="ellipse">
+            <a:avLst/>
+          </a:prstGeom>
+          <a:solidFill>
+            <a:schemeClr val="tx1"/>
+          </a:solidFill>
+        </p:spPr>
+        <p:style>
+          <a:lnRef idx="2">
+            <a:schemeClr val="dk1"/>
+          </a:lnRef>
+          <a:fillRef idx="1">
+            <a:schemeClr val="lt1"/>
+          </a:fillRef>
+          <a:effectRef idx="0">
+            <a:schemeClr val="dk1"/>
+          </a:effectRef>
+          <a:fontRef idx="minor">
+            <a:schemeClr val="dk1"/>
+          </a:fontRef>
+        </p:style>
+        <p:txBody>
+          <a:bodyPr rtlCol="0" anchor="ctr"/>
+          <a:lstStyle/>
+          <a:p>
+            <a:pPr algn="ctr"/>
+            <a:endParaRPr kumimoji="1" lang="ja-JP" altLang="en-US"/>
+          </a:p>
+        </p:txBody>
+      </p:sp>
+      <p:sp>
+        <p:nvSpPr>
+          <p:cNvPr id="23" name="円/楕円 22"/>
+          <p:cNvSpPr/>
+          <p:nvPr/>
+        </p:nvSpPr>
+        <p:spPr>
+          <a:xfrm>
+            <a:off x="7165810" y="4853370"/>
+            <a:ext cx="720000" cy="720000"/>
+          </a:xfrm>
+          <a:prstGeom prst="ellipse">
+            <a:avLst/>
+          </a:prstGeom>
+          <a:solidFill>
+            <a:schemeClr val="tx1"/>
+          </a:solidFill>
+        </p:spPr>
+        <p:style>
+          <a:lnRef idx="2">
+            <a:schemeClr val="dk1"/>
+          </a:lnRef>
+          <a:fillRef idx="1">
+            <a:schemeClr val="lt1"/>
+          </a:fillRef>
+          <a:effectRef idx="0">
+            <a:schemeClr val="dk1"/>
+          </a:effectRef>
+          <a:fontRef idx="minor">
+            <a:schemeClr val="dk1"/>
+          </a:fontRef>
+        </p:style>
+        <p:txBody>
+          <a:bodyPr rtlCol="0" anchor="ctr"/>
+          <a:lstStyle/>
+          <a:p>
+            <a:pPr algn="ctr"/>
+            <a:endParaRPr kumimoji="1" lang="ja-JP" altLang="en-US"/>
+          </a:p>
+        </p:txBody>
+      </p:sp>
+      <p:sp>
+        <p:nvSpPr>
+          <p:cNvPr id="24" name="円/楕円 23"/>
+          <p:cNvSpPr/>
+          <p:nvPr/>
+        </p:nvSpPr>
+        <p:spPr>
+          <a:xfrm>
+            <a:off x="8602725" y="565899"/>
+            <a:ext cx="720000" cy="720000"/>
+          </a:xfrm>
+          <a:prstGeom prst="ellipse">
+            <a:avLst/>
+          </a:prstGeom>
+          <a:solidFill>
+            <a:schemeClr val="bg1">
+              <a:lumMod val="75000"/>
+            </a:schemeClr>
+          </a:solidFill>
+        </p:spPr>
+        <p:style>
+          <a:lnRef idx="2">
+            <a:schemeClr val="dk1"/>
+          </a:lnRef>
+          <a:fillRef idx="1">
+            <a:schemeClr val="lt1"/>
+          </a:fillRef>
+          <a:effectRef idx="0">
+            <a:schemeClr val="dk1"/>
+          </a:effectRef>
+          <a:fontRef idx="minor">
+            <a:schemeClr val="dk1"/>
+          </a:fontRef>
+        </p:style>
+        <p:txBody>
+          <a:bodyPr rtlCol="0" anchor="ctr"/>
+          <a:lstStyle/>
+          <a:p>
+            <a:pPr algn="ctr"/>
+            <a:endParaRPr kumimoji="1" lang="ja-JP" altLang="en-US"/>
+          </a:p>
+        </p:txBody>
+      </p:sp>
+      <p:sp>
+        <p:nvSpPr>
+          <p:cNvPr id="25" name="円/楕円 24"/>
+          <p:cNvSpPr/>
+          <p:nvPr/>
+        </p:nvSpPr>
+        <p:spPr>
+          <a:xfrm>
+            <a:off x="8602725" y="1995056"/>
+            <a:ext cx="720000" cy="720000"/>
+          </a:xfrm>
+          <a:prstGeom prst="ellipse">
+            <a:avLst/>
+          </a:prstGeom>
+          <a:solidFill>
+            <a:schemeClr val="bg2">
+              <a:lumMod val="50000"/>
+            </a:schemeClr>
+          </a:solidFill>
+        </p:spPr>
+        <p:style>
+          <a:lnRef idx="2">
+            <a:schemeClr val="dk1"/>
+          </a:lnRef>
+          <a:fillRef idx="1">
+            <a:schemeClr val="lt1"/>
+          </a:fillRef>
+          <a:effectRef idx="0">
+            <a:schemeClr val="dk1"/>
+          </a:effectRef>
+          <a:fontRef idx="minor">
+            <a:schemeClr val="dk1"/>
+          </a:fontRef>
+        </p:style>
+        <p:txBody>
+          <a:bodyPr rtlCol="0" anchor="ctr"/>
+          <a:lstStyle/>
+          <a:p>
+            <a:pPr algn="ctr"/>
+            <a:endParaRPr kumimoji="1" lang="ja-JP" altLang="en-US"/>
+          </a:p>
+        </p:txBody>
+      </p:sp>
+      <p:sp>
+        <p:nvSpPr>
+          <p:cNvPr id="26" name="円/楕円 25"/>
+          <p:cNvSpPr/>
+          <p:nvPr/>
+        </p:nvSpPr>
+        <p:spPr>
+          <a:xfrm>
+            <a:off x="8602725" y="3424213"/>
+            <a:ext cx="720000" cy="720000"/>
+          </a:xfrm>
+          <a:prstGeom prst="ellipse">
+            <a:avLst/>
+          </a:prstGeom>
+          <a:solidFill>
+            <a:schemeClr val="bg2">
+              <a:lumMod val="50000"/>
+            </a:schemeClr>
+          </a:solidFill>
+        </p:spPr>
+        <p:style>
+          <a:lnRef idx="2">
+            <a:schemeClr val="dk1"/>
+          </a:lnRef>
+          <a:fillRef idx="1">
+            <a:schemeClr val="lt1"/>
+          </a:fillRef>
+          <a:effectRef idx="0">
+            <a:schemeClr val="dk1"/>
+          </a:effectRef>
+          <a:fontRef idx="minor">
+            <a:schemeClr val="dk1"/>
+          </a:fontRef>
+        </p:style>
+        <p:txBody>
+          <a:bodyPr rtlCol="0" anchor="ctr"/>
+          <a:lstStyle/>
+          <a:p>
+            <a:pPr algn="ctr"/>
+            <a:endParaRPr kumimoji="1" lang="ja-JP" altLang="en-US"/>
+          </a:p>
+        </p:txBody>
+      </p:sp>
+      <p:sp>
+        <p:nvSpPr>
+          <p:cNvPr id="27" name="円/楕円 26"/>
+          <p:cNvSpPr/>
+          <p:nvPr/>
+        </p:nvSpPr>
+        <p:spPr>
+          <a:xfrm>
+            <a:off x="8602725" y="4853370"/>
+            <a:ext cx="720000" cy="720000"/>
+          </a:xfrm>
+          <a:prstGeom prst="ellipse">
+            <a:avLst/>
+          </a:prstGeom>
+          <a:solidFill>
+            <a:schemeClr val="bg1">
+              <a:lumMod val="75000"/>
+            </a:schemeClr>
+          </a:solidFill>
+        </p:spPr>
+        <p:style>
+          <a:lnRef idx="2">
+            <a:schemeClr val="dk1"/>
+          </a:lnRef>
+          <a:fillRef idx="1">
+            <a:schemeClr val="lt1"/>
+          </a:fillRef>
+          <a:effectRef idx="0">
+            <a:schemeClr val="dk1"/>
+          </a:effectRef>
+          <a:fontRef idx="minor">
+            <a:schemeClr val="dk1"/>
+          </a:fontRef>
+        </p:style>
+        <p:txBody>
+          <a:bodyPr rtlCol="0" anchor="ctr"/>
+          <a:lstStyle/>
+          <a:p>
+            <a:pPr algn="ctr"/>
+            <a:endParaRPr kumimoji="1" lang="ja-JP" altLang="en-US"/>
+          </a:p>
+        </p:txBody>
+      </p:sp>
+      <p:sp>
+        <p:nvSpPr>
+          <p:cNvPr id="28" name="円/楕円 27"/>
+          <p:cNvSpPr/>
+          <p:nvPr/>
+        </p:nvSpPr>
+        <p:spPr>
+          <a:xfrm>
+            <a:off x="10039640" y="565899"/>
+            <a:ext cx="720000" cy="720000"/>
+          </a:xfrm>
+          <a:prstGeom prst="ellipse">
+            <a:avLst/>
+          </a:prstGeom>
+          <a:solidFill>
+            <a:schemeClr val="tx1"/>
+          </a:solidFill>
+        </p:spPr>
+        <p:style>
+          <a:lnRef idx="2">
+            <a:schemeClr val="dk1"/>
+          </a:lnRef>
+          <a:fillRef idx="1">
+            <a:schemeClr val="lt1"/>
+          </a:fillRef>
+          <a:effectRef idx="0">
+            <a:schemeClr val="dk1"/>
+          </a:effectRef>
+          <a:fontRef idx="minor">
+            <a:schemeClr val="dk1"/>
+          </a:fontRef>
+        </p:style>
+        <p:txBody>
+          <a:bodyPr rtlCol="0" anchor="ctr"/>
+          <a:lstStyle/>
+          <a:p>
+            <a:pPr algn="ctr"/>
+            <a:endParaRPr kumimoji="1" lang="ja-JP" altLang="en-US"/>
+          </a:p>
+        </p:txBody>
+      </p:sp>
+      <p:sp>
+        <p:nvSpPr>
+          <p:cNvPr id="29" name="円/楕円 28"/>
+          <p:cNvSpPr/>
+          <p:nvPr/>
+        </p:nvSpPr>
+        <p:spPr>
+          <a:xfrm>
+            <a:off x="10039640" y="1995056"/>
+            <a:ext cx="720000" cy="720000"/>
+          </a:xfrm>
+          <a:prstGeom prst="ellipse">
+            <a:avLst/>
+          </a:prstGeom>
+          <a:solidFill>
+            <a:schemeClr val="tx1"/>
+          </a:solidFill>
+        </p:spPr>
+        <p:style>
+          <a:lnRef idx="2">
+            <a:schemeClr val="dk1"/>
+          </a:lnRef>
+          <a:fillRef idx="1">
+            <a:schemeClr val="lt1"/>
+          </a:fillRef>
+          <a:effectRef idx="0">
+            <a:schemeClr val="dk1"/>
+          </a:effectRef>
+          <a:fontRef idx="minor">
+            <a:schemeClr val="dk1"/>
+          </a:fontRef>
+        </p:style>
+        <p:txBody>
+          <a:bodyPr rtlCol="0" anchor="ctr"/>
+          <a:lstStyle/>
+          <a:p>
+            <a:pPr algn="ctr"/>
+            <a:endParaRPr kumimoji="1" lang="ja-JP" altLang="en-US"/>
+          </a:p>
+        </p:txBody>
+      </p:sp>
+      <p:sp>
+        <p:nvSpPr>
+          <p:cNvPr id="30" name="円/楕円 29"/>
+          <p:cNvSpPr/>
+          <p:nvPr/>
+        </p:nvSpPr>
+        <p:spPr>
+          <a:xfrm>
+            <a:off x="10039640" y="3424213"/>
+            <a:ext cx="720000" cy="720000"/>
+          </a:xfrm>
+          <a:prstGeom prst="ellipse">
+            <a:avLst/>
+          </a:prstGeom>
+        </p:spPr>
+        <p:style>
+          <a:lnRef idx="2">
+            <a:schemeClr val="dk1"/>
+          </a:lnRef>
+          <a:fillRef idx="1">
+            <a:schemeClr val="lt1"/>
+          </a:fillRef>
+          <a:effectRef idx="0">
+            <a:schemeClr val="dk1"/>
+          </a:effectRef>
+          <a:fontRef idx="minor">
+            <a:schemeClr val="dk1"/>
+          </a:fontRef>
+        </p:style>
+        <p:txBody>
+          <a:bodyPr rtlCol="0" anchor="ctr"/>
+          <a:lstStyle/>
+          <a:p>
+            <a:pPr algn="ctr"/>
+            <a:endParaRPr kumimoji="1" lang="ja-JP" altLang="en-US"/>
+          </a:p>
+        </p:txBody>
+      </p:sp>
+      <p:sp>
+        <p:nvSpPr>
+          <p:cNvPr id="31" name="円/楕円 30"/>
+          <p:cNvSpPr/>
+          <p:nvPr/>
+        </p:nvSpPr>
+        <p:spPr>
+          <a:xfrm>
+            <a:off x="10039640" y="4853370"/>
+            <a:ext cx="720000" cy="720000"/>
+          </a:xfrm>
+          <a:prstGeom prst="ellipse">
+            <a:avLst/>
+          </a:prstGeom>
+        </p:spPr>
+        <p:style>
+          <a:lnRef idx="2">
+            <a:schemeClr val="dk1"/>
+          </a:lnRef>
+          <a:fillRef idx="1">
+            <a:schemeClr val="lt1"/>
+          </a:fillRef>
+          <a:effectRef idx="0">
+            <a:schemeClr val="dk1"/>
+          </a:effectRef>
+          <a:fontRef idx="minor">
+            <a:schemeClr val="dk1"/>
+          </a:fontRef>
+        </p:style>
+        <p:txBody>
+          <a:bodyPr rtlCol="0" anchor="ctr"/>
+          <a:lstStyle/>
+          <a:p>
+            <a:pPr algn="ctr"/>
+            <a:endParaRPr kumimoji="1" lang="ja-JP" altLang="en-US"/>
+          </a:p>
+        </p:txBody>
+      </p:sp>
+      <p:cxnSp>
+        <p:nvCxnSpPr>
+          <p:cNvPr id="84" name="直線コネクタ 83"/>
+          <p:cNvCxnSpPr/>
+          <p:nvPr/>
+        </p:nvCxnSpPr>
+        <p:spPr>
+          <a:xfrm>
+            <a:off x="10762724" y="925899"/>
+            <a:ext cx="360000" cy="0"/>
+          </a:xfrm>
+          <a:prstGeom prst="line">
+            <a:avLst/>
+          </a:prstGeom>
+          <a:ln w="28575"/>
+        </p:spPr>
+        <p:style>
+          <a:lnRef idx="3">
+            <a:schemeClr val="dk1"/>
+          </a:lnRef>
+          <a:fillRef idx="0">
+            <a:schemeClr val="dk1"/>
+          </a:fillRef>
+          <a:effectRef idx="2">
+            <a:schemeClr val="dk1"/>
+          </a:effectRef>
+          <a:fontRef idx="minor">
+            <a:schemeClr val="tx1"/>
+          </a:fontRef>
+        </p:style>
+      </p:cxnSp>
+      <p:cxnSp>
+        <p:nvCxnSpPr>
+          <p:cNvPr id="85" name="直線コネクタ 84"/>
+          <p:cNvCxnSpPr/>
+          <p:nvPr/>
+        </p:nvCxnSpPr>
+        <p:spPr>
+          <a:xfrm>
+            <a:off x="10762724" y="2352700"/>
+            <a:ext cx="360000" cy="0"/>
+          </a:xfrm>
+          <a:prstGeom prst="line">
+            <a:avLst/>
+          </a:prstGeom>
+          <a:ln w="28575"/>
+        </p:spPr>
+        <p:style>
+          <a:lnRef idx="3">
+            <a:schemeClr val="dk1"/>
+          </a:lnRef>
+          <a:fillRef idx="0">
+            <a:schemeClr val="dk1"/>
+          </a:fillRef>
+          <a:effectRef idx="2">
+            <a:schemeClr val="dk1"/>
+          </a:effectRef>
+          <a:fontRef idx="minor">
+            <a:schemeClr val="tx1"/>
+          </a:fontRef>
+        </p:style>
+      </p:cxnSp>
+      <p:cxnSp>
+        <p:nvCxnSpPr>
+          <p:cNvPr id="86" name="直線コネクタ 85"/>
+          <p:cNvCxnSpPr/>
+          <p:nvPr/>
+        </p:nvCxnSpPr>
+        <p:spPr>
+          <a:xfrm flipV="1">
+            <a:off x="10762724" y="3784213"/>
+            <a:ext cx="360000" cy="0"/>
+          </a:xfrm>
+          <a:prstGeom prst="line">
+            <a:avLst/>
+          </a:prstGeom>
+          <a:ln w="28575"/>
+        </p:spPr>
+        <p:style>
+          <a:lnRef idx="3">
+            <a:schemeClr val="dk1"/>
+          </a:lnRef>
+          <a:fillRef idx="0">
+            <a:schemeClr val="dk1"/>
+          </a:fillRef>
+          <a:effectRef idx="2">
+            <a:schemeClr val="dk1"/>
+          </a:effectRef>
+          <a:fontRef idx="minor">
+            <a:schemeClr val="tx1"/>
+          </a:fontRef>
+        </p:style>
+      </p:cxnSp>
+      <p:cxnSp>
+        <p:nvCxnSpPr>
+          <p:cNvPr id="87" name="直線コネクタ 86"/>
+          <p:cNvCxnSpPr/>
+          <p:nvPr/>
+        </p:nvCxnSpPr>
+        <p:spPr>
+          <a:xfrm flipV="1">
+            <a:off x="10759640" y="5213370"/>
+            <a:ext cx="360000" cy="0"/>
+          </a:xfrm>
+          <a:prstGeom prst="line">
+            <a:avLst/>
+          </a:prstGeom>
+          <a:ln w="28575"/>
+        </p:spPr>
+        <p:style>
+          <a:lnRef idx="3">
+            <a:schemeClr val="dk1"/>
+          </a:lnRef>
+          <a:fillRef idx="0">
+            <a:schemeClr val="dk1"/>
+          </a:fillRef>
+          <a:effectRef idx="2">
+            <a:schemeClr val="dk1"/>
+          </a:effectRef>
+          <a:fontRef idx="minor">
+            <a:schemeClr val="tx1"/>
+          </a:fontRef>
+        </p:style>
+      </p:cxnSp>
+      <p:sp>
+        <p:nvSpPr>
+          <p:cNvPr id="90" name="右中かっこ 89"/>
+          <p:cNvSpPr/>
+          <p:nvPr/>
+        </p:nvSpPr>
+        <p:spPr>
+          <a:xfrm rot="5400000">
+            <a:off x="5749873" y="1082277"/>
+            <a:ext cx="518673" cy="9500857"/>
+          </a:xfrm>
+          <a:prstGeom prst="rightBrace">
+            <a:avLst>
+              <a:gd name="adj1" fmla="val 40387"/>
+              <a:gd name="adj2" fmla="val 49250"/>
+            </a:avLst>
+          </a:prstGeom>
+          <a:ln w="38100">
+            <a:solidFill>
+              <a:schemeClr val="tx1"/>
+            </a:solidFill>
+          </a:ln>
+        </p:spPr>
+        <p:style>
+          <a:lnRef idx="1">
+            <a:schemeClr val="accent1"/>
+          </a:lnRef>
+          <a:fillRef idx="0">
+            <a:schemeClr val="accent1"/>
+          </a:fillRef>
+          <a:effectRef idx="0">
+            <a:schemeClr val="accent1"/>
+          </a:effectRef>
+          <a:fontRef idx="minor">
+            <a:schemeClr val="tx1"/>
+          </a:fontRef>
+        </p:style>
+        <p:txBody>
+          <a:bodyPr rtlCol="0" anchor="ctr"/>
+          <a:lstStyle/>
+          <a:p>
+            <a:pPr algn="ctr"/>
+            <a:endParaRPr kumimoji="1" lang="ja-JP" altLang="en-US"/>
+          </a:p>
+        </p:txBody>
+      </p:sp>
+      <mc:AlternateContent xmlns:mc="http://schemas.openxmlformats.org/markup-compatibility/2006" xmlns:a14="http://schemas.microsoft.com/office/drawing/2010/main">
+        <mc:Choice Requires="a14">
+          <p:sp>
+            <p:nvSpPr>
+              <p:cNvPr id="91" name="テキスト ボックス 90"/>
+              <p:cNvSpPr txBox="1"/>
+              <p:nvPr/>
+            </p:nvSpPr>
+            <p:spPr>
+              <a:xfrm>
+                <a:off x="5193703" y="6144638"/>
+                <a:ext cx="1790383" cy="646331"/>
+              </a:xfrm>
+              <a:prstGeom prst="rect">
+                <a:avLst/>
+              </a:prstGeom>
+              <a:noFill/>
+            </p:spPr>
+            <p:txBody>
+              <a:bodyPr wrap="square" rtlCol="0">
+                <a:spAutoFit/>
+              </a:bodyPr>
+              <a:lstStyle/>
+              <a:p>
+                <a:pPr/>
+                <a14:m>
+                  <m:oMathPara xmlns:m="http://schemas.openxmlformats.org/officeDocument/2006/math">
+                    <m:oMathParaPr>
+                      <m:jc m:val="centerGroup"/>
+                    </m:oMathParaPr>
+                    <m:oMath xmlns:m="http://schemas.openxmlformats.org/officeDocument/2006/math">
+                      <m:r>
+                        <a:rPr kumimoji="1" lang="en-US" altLang="ja-JP" sz="3600" b="0" i="1" smtClean="0">
+                          <a:latin typeface="Cambria Math" panose="02040503050406030204" pitchFamily="18" charset="0"/>
+                        </a:rPr>
+                        <m:t>2</m:t>
+                      </m:r>
+                      <m:r>
+                        <a:rPr kumimoji="1" lang="en-US" altLang="ja-JP" sz="3600" b="0" i="1" smtClean="0">
+                          <a:latin typeface="Cambria Math" panose="02040503050406030204" pitchFamily="18" charset="0"/>
+                        </a:rPr>
+                        <m:t>𝑡</m:t>
+                      </m:r>
+                      <m:r>
+                        <a:rPr kumimoji="1" lang="en-US" altLang="ja-JP" sz="3600" b="0" i="0" smtClean="0">
+                          <a:latin typeface="Cambria Math" panose="02040503050406030204" pitchFamily="18" charset="0"/>
+                        </a:rPr>
+                        <m:t>−1</m:t>
+                      </m:r>
+                    </m:oMath>
+                  </m:oMathPara>
+                </a14:m>
+                <a:endParaRPr kumimoji="1" lang="ja-JP" altLang="en-US" sz="3600" dirty="0"/>
+              </a:p>
+            </p:txBody>
+          </p:sp>
+        </mc:Choice>
+        <mc:Fallback xmlns="">
+          <p:sp>
+            <p:nvSpPr>
+              <p:cNvPr id="91" name="テキスト ボックス 90"/>
+              <p:cNvSpPr txBox="1">
+                <a:spLocks noRot="1" noChangeAspect="1" noMove="1" noResize="1" noEditPoints="1" noAdjustHandles="1" noChangeArrowheads="1" noChangeShapeType="1" noTextEdit="1"/>
+              </p:cNvSpPr>
+              <p:nvPr/>
+            </p:nvSpPr>
+            <p:spPr>
+              <a:xfrm>
+                <a:off x="5193703" y="6144638"/>
+                <a:ext cx="1790383" cy="646331"/>
+              </a:xfrm>
+              <a:prstGeom prst="rect">
+                <a:avLst/>
+              </a:prstGeom>
+              <a:blipFill rotWithShape="0">
+                <a:blip r:embed="rId2"/>
+                <a:stretch>
+                  <a:fillRect/>
+                </a:stretch>
+              </a:blipFill>
+            </p:spPr>
+            <p:txBody>
+              <a:bodyPr/>
+              <a:lstStyle/>
+              <a:p>
+                <a:r>
+                  <a:rPr lang="ja-JP" altLang="en-US">
+                    <a:noFill/>
+                  </a:rPr>
+                  <a:t> </a:t>
+                </a:r>
+              </a:p>
+            </p:txBody>
+          </p:sp>
+        </mc:Fallback>
+      </mc:AlternateContent>
+      <p:cxnSp>
+        <p:nvCxnSpPr>
+          <p:cNvPr id="93" name="直線コネクタ 92"/>
+          <p:cNvCxnSpPr/>
+          <p:nvPr/>
+        </p:nvCxnSpPr>
+        <p:spPr>
+          <a:xfrm>
+            <a:off x="1061234" y="925899"/>
+            <a:ext cx="360000" cy="0"/>
+          </a:xfrm>
+          <a:prstGeom prst="line">
+            <a:avLst/>
+          </a:prstGeom>
+          <a:ln w="28575"/>
+        </p:spPr>
+        <p:style>
+          <a:lnRef idx="3">
+            <a:schemeClr val="dk1"/>
+          </a:lnRef>
+          <a:fillRef idx="0">
+            <a:schemeClr val="dk1"/>
+          </a:fillRef>
+          <a:effectRef idx="2">
+            <a:schemeClr val="dk1"/>
+          </a:effectRef>
+          <a:fontRef idx="minor">
+            <a:schemeClr val="tx1"/>
+          </a:fontRef>
+        </p:style>
+      </p:cxnSp>
+      <p:cxnSp>
+        <p:nvCxnSpPr>
+          <p:cNvPr id="94" name="直線コネクタ 93"/>
+          <p:cNvCxnSpPr/>
+          <p:nvPr/>
+        </p:nvCxnSpPr>
+        <p:spPr>
+          <a:xfrm>
+            <a:off x="1061234" y="2352700"/>
+            <a:ext cx="360000" cy="0"/>
+          </a:xfrm>
+          <a:prstGeom prst="line">
+            <a:avLst/>
+          </a:prstGeom>
+          <a:ln w="28575"/>
+        </p:spPr>
+        <p:style>
+          <a:lnRef idx="3">
+            <a:schemeClr val="dk1"/>
+          </a:lnRef>
+          <a:fillRef idx="0">
+            <a:schemeClr val="dk1"/>
+          </a:fillRef>
+          <a:effectRef idx="2">
+            <a:schemeClr val="dk1"/>
+          </a:effectRef>
+          <a:fontRef idx="minor">
+            <a:schemeClr val="tx1"/>
+          </a:fontRef>
+        </p:style>
+      </p:cxnSp>
+      <p:cxnSp>
+        <p:nvCxnSpPr>
+          <p:cNvPr id="95" name="直線コネクタ 94"/>
+          <p:cNvCxnSpPr/>
+          <p:nvPr/>
+        </p:nvCxnSpPr>
+        <p:spPr>
+          <a:xfrm flipV="1">
+            <a:off x="1061234" y="3784213"/>
+            <a:ext cx="360000" cy="0"/>
+          </a:xfrm>
+          <a:prstGeom prst="line">
+            <a:avLst/>
+          </a:prstGeom>
+          <a:ln w="28575"/>
+        </p:spPr>
+        <p:style>
+          <a:lnRef idx="3">
+            <a:schemeClr val="dk1"/>
+          </a:lnRef>
+          <a:fillRef idx="0">
+            <a:schemeClr val="dk1"/>
+          </a:fillRef>
+          <a:effectRef idx="2">
+            <a:schemeClr val="dk1"/>
+          </a:effectRef>
+          <a:fontRef idx="minor">
+            <a:schemeClr val="tx1"/>
+          </a:fontRef>
+        </p:style>
+      </p:cxnSp>
+      <p:cxnSp>
+        <p:nvCxnSpPr>
+          <p:cNvPr id="96" name="直線コネクタ 95"/>
+          <p:cNvCxnSpPr/>
+          <p:nvPr/>
+        </p:nvCxnSpPr>
+        <p:spPr>
+          <a:xfrm flipV="1">
+            <a:off x="1058150" y="5213370"/>
+            <a:ext cx="360000" cy="0"/>
+          </a:xfrm>
+          <a:prstGeom prst="line">
+            <a:avLst/>
+          </a:prstGeom>
+          <a:ln w="28575"/>
+        </p:spPr>
+        <p:style>
+          <a:lnRef idx="3">
+            <a:schemeClr val="dk1"/>
+          </a:lnRef>
+          <a:fillRef idx="0">
+            <a:schemeClr val="dk1"/>
+          </a:fillRef>
+          <a:effectRef idx="2">
+            <a:schemeClr val="dk1"/>
+          </a:effectRef>
+          <a:fontRef idx="minor">
+            <a:schemeClr val="tx1"/>
+          </a:fontRef>
+        </p:style>
+      </p:cxnSp>
+      <p:sp>
+        <p:nvSpPr>
+          <p:cNvPr id="98" name="右中かっこ 97"/>
+          <p:cNvSpPr/>
+          <p:nvPr/>
+        </p:nvSpPr>
+        <p:spPr>
+          <a:xfrm rot="10800000">
+            <a:off x="686217" y="463138"/>
+            <a:ext cx="459121" cy="5110231"/>
+          </a:xfrm>
+          <a:prstGeom prst="rightBrace">
+            <a:avLst>
+              <a:gd name="adj1" fmla="val 40387"/>
+              <a:gd name="adj2" fmla="val 49496"/>
+            </a:avLst>
+          </a:prstGeom>
+          <a:ln w="38100">
+            <a:solidFill>
+              <a:schemeClr val="tx1"/>
+            </a:solidFill>
+          </a:ln>
+        </p:spPr>
+        <p:style>
+          <a:lnRef idx="1">
+            <a:schemeClr val="accent1"/>
+          </a:lnRef>
+          <a:fillRef idx="0">
+            <a:schemeClr val="accent1"/>
+          </a:fillRef>
+          <a:effectRef idx="0">
+            <a:schemeClr val="accent1"/>
+          </a:effectRef>
+          <a:fontRef idx="minor">
+            <a:schemeClr val="tx1"/>
+          </a:fontRef>
+        </p:style>
+        <p:txBody>
+          <a:bodyPr rtlCol="0" anchor="ctr"/>
+          <a:lstStyle/>
+          <a:p>
+            <a:pPr algn="ctr"/>
+            <a:endParaRPr kumimoji="1" lang="ja-JP" altLang="en-US"/>
+          </a:p>
+        </p:txBody>
+      </p:sp>
+      <mc:AlternateContent xmlns:mc="http://schemas.openxmlformats.org/markup-compatibility/2006" xmlns:a14="http://schemas.microsoft.com/office/drawing/2010/main">
+        <mc:Choice Requires="a14">
+          <p:sp>
+            <p:nvSpPr>
+              <p:cNvPr id="99" name="テキスト ボックス 98"/>
+              <p:cNvSpPr txBox="1"/>
+              <p:nvPr/>
+            </p:nvSpPr>
+            <p:spPr>
+              <a:xfrm>
+                <a:off x="0" y="2746468"/>
+                <a:ext cx="690009" cy="646331"/>
+              </a:xfrm>
+              <a:prstGeom prst="rect">
+                <a:avLst/>
+              </a:prstGeom>
+              <a:noFill/>
+            </p:spPr>
+            <p:txBody>
+              <a:bodyPr wrap="square" rtlCol="0">
+                <a:spAutoFit/>
+              </a:bodyPr>
+              <a:lstStyle/>
+              <a:p>
+                <a:pPr/>
+                <a14:m>
+                  <m:oMathPara xmlns:m="http://schemas.openxmlformats.org/officeDocument/2006/math">
+                    <m:oMathParaPr>
+                      <m:jc m:val="centerGroup"/>
+                    </m:oMathParaPr>
+                    <m:oMath xmlns:m="http://schemas.openxmlformats.org/officeDocument/2006/math">
+                      <m:r>
+                        <a:rPr kumimoji="1" lang="en-US" altLang="ja-JP" sz="3600" b="0" i="1" smtClean="0">
+                          <a:latin typeface="Cambria Math" panose="02040503050406030204" pitchFamily="18" charset="0"/>
+                        </a:rPr>
+                        <m:t>4</m:t>
+                      </m:r>
+                    </m:oMath>
+                  </m:oMathPara>
+                </a14:m>
+                <a:endParaRPr kumimoji="1" lang="ja-JP" altLang="en-US" sz="3600" dirty="0"/>
+              </a:p>
+            </p:txBody>
+          </p:sp>
+        </mc:Choice>
+        <mc:Fallback xmlns="">
+          <p:sp>
+            <p:nvSpPr>
+              <p:cNvPr id="99" name="テキスト ボックス 98"/>
+              <p:cNvSpPr txBox="1">
+                <a:spLocks noRot="1" noChangeAspect="1" noMove="1" noResize="1" noEditPoints="1" noAdjustHandles="1" noChangeArrowheads="1" noChangeShapeType="1" noTextEdit="1"/>
+              </p:cNvSpPr>
+              <p:nvPr/>
+            </p:nvSpPr>
+            <p:spPr>
+              <a:xfrm>
+                <a:off x="0" y="2746468"/>
+                <a:ext cx="690009" cy="646331"/>
+              </a:xfrm>
+              <a:prstGeom prst="rect">
+                <a:avLst/>
+              </a:prstGeom>
+              <a:blipFill rotWithShape="0">
+                <a:blip r:embed="rId3"/>
+                <a:stretch>
+                  <a:fillRect/>
+                </a:stretch>
+              </a:blipFill>
+            </p:spPr>
+            <p:txBody>
+              <a:bodyPr/>
+              <a:lstStyle/>
+              <a:p>
+                <a:r>
+                  <a:rPr lang="ja-JP" altLang="en-US">
+                    <a:noFill/>
+                  </a:rPr>
+                  <a:t> </a:t>
+                </a:r>
+              </a:p>
+            </p:txBody>
+          </p:sp>
+        </mc:Fallback>
+      </mc:AlternateContent>
+    </p:spTree>
+    <p:extLst>
+      <p:ext uri="{BB962C8B-B14F-4D97-AF65-F5344CB8AC3E}">
+        <p14:creationId xmlns:p14="http://schemas.microsoft.com/office/powerpoint/2010/main" val="3256998176"/>
       </p:ext>
     </p:extLst>
   </p:cSld>
